--- a/Data_Quality_Kafka_Intro_Slides_Formatted.pptx
+++ b/Data_Quality_Kafka_Intro_Slides_Formatted.pptx
@@ -5,8 +5,9 @@
     <p:sldMasterId id="2147483648" r:id="rId1"/>
   </p:sldMasterIdLst>
   <p:sldIdLst>
-    <p:sldId id="256" r:id="rId7"/>
-    <p:sldId id="257" r:id="rId8"/>
+    <p:sldId id="256" r:id="rId2"/>
+    <p:sldId id="258" r:id="rId3"/>
+    <p:sldId id="257" r:id="rId4"/>
   </p:sldIdLst>
   <p:sldSz cx="9144000" cy="6858000" type="screen4x3"/>
   <p:notesSz cx="6858000" cy="9144000"/>
@@ -105,7 +106,106 @@
       </a:defRPr>
     </a:lvl9pPr>
   </p:defaultTextStyle>
+  <p:extLst>
+    <p:ext uri="{EFAFB233-063F-42B5-8137-9DF3F51BA10A}">
+      <p15:sldGuideLst xmlns:p15="http://schemas.microsoft.com/office/powerpoint/2012/main">
+        <p15:guide id="1" orient="horz" pos="2160">
+          <p15:clr>
+            <a:srgbClr val="A4A3A4"/>
+          </p15:clr>
+        </p15:guide>
+        <p15:guide id="2" pos="2880">
+          <p15:clr>
+            <a:srgbClr val="A4A3A4"/>
+          </p15:clr>
+        </p15:guide>
+      </p15:sldGuideLst>
+    </p:ext>
+  </p:extLst>
 </p:presentation>
+</file>
+
+<file path=ppt/revisionInfo.xml><?xml version="1.0" encoding="utf-8"?>
+<p1510:revInfo xmlns:a="http://schemas.openxmlformats.org/drawingml/2006/main" xmlns:r="http://schemas.openxmlformats.org/officeDocument/2006/relationships" xmlns:p1510="http://schemas.microsoft.com/office/powerpoint/2015/10/main">
+  <p1510:revLst>
+    <p1510:client id="{0871C8F2-467B-4FED-8B43-6A36AEC78174}" v="4" dt="2025-07-10T05:50:17.840"/>
+  </p1510:revLst>
+</p1510:revInfo>
+</file>
+
+<file path=ppt/changesInfos/changesInfo1.xml><?xml version="1.0" encoding="utf-8"?>
+<pc:chgInfo xmlns:a="http://schemas.openxmlformats.org/drawingml/2006/main" xmlns:r="http://schemas.openxmlformats.org/officeDocument/2006/relationships" xmlns:ac="http://schemas.microsoft.com/office/drawing/2013/main/command" xmlns:pc="http://schemas.microsoft.com/office/powerpoint/2013/main/command">
+  <pc:docChgLst>
+    <pc:chgData name="Nanjundaiah, Deepak" userId="256fc6d3-fdc4-42bc-8b31-c97372d52d72" providerId="ADAL" clId="{0871C8F2-467B-4FED-8B43-6A36AEC78174}"/>
+    <pc:docChg chg="undo custSel addSld modSld">
+      <pc:chgData name="Nanjundaiah, Deepak" userId="256fc6d3-fdc4-42bc-8b31-c97372d52d72" providerId="ADAL" clId="{0871C8F2-467B-4FED-8B43-6A36AEC78174}" dt="2025-07-10T05:52:12.362" v="187" actId="20577"/>
+      <pc:docMkLst>
+        <pc:docMk/>
+      </pc:docMkLst>
+      <pc:sldChg chg="modSp mod">
+        <pc:chgData name="Nanjundaiah, Deepak" userId="256fc6d3-fdc4-42bc-8b31-c97372d52d72" providerId="ADAL" clId="{0871C8F2-467B-4FED-8B43-6A36AEC78174}" dt="2025-07-09T12:47:10.853" v="10" actId="20577"/>
+        <pc:sldMkLst>
+          <pc:docMk/>
+          <pc:sldMk cId="0" sldId="256"/>
+        </pc:sldMkLst>
+        <pc:spChg chg="mod">
+          <ac:chgData name="Nanjundaiah, Deepak" userId="256fc6d3-fdc4-42bc-8b31-c97372d52d72" providerId="ADAL" clId="{0871C8F2-467B-4FED-8B43-6A36AEC78174}" dt="2025-07-09T12:46:41.784" v="3" actId="255"/>
+          <ac:spMkLst>
+            <pc:docMk/>
+            <pc:sldMk cId="0" sldId="256"/>
+            <ac:spMk id="2" creationId="{00000000-0000-0000-0000-000000000000}"/>
+          </ac:spMkLst>
+        </pc:spChg>
+        <pc:spChg chg="mod">
+          <ac:chgData name="Nanjundaiah, Deepak" userId="256fc6d3-fdc4-42bc-8b31-c97372d52d72" providerId="ADAL" clId="{0871C8F2-467B-4FED-8B43-6A36AEC78174}" dt="2025-07-09T12:47:10.853" v="10" actId="20577"/>
+          <ac:spMkLst>
+            <pc:docMk/>
+            <pc:sldMk cId="0" sldId="256"/>
+            <ac:spMk id="3" creationId="{00000000-0000-0000-0000-000000000000}"/>
+          </ac:spMkLst>
+        </pc:spChg>
+      </pc:sldChg>
+      <pc:sldChg chg="modSp mod">
+        <pc:chgData name="Nanjundaiah, Deepak" userId="256fc6d3-fdc4-42bc-8b31-c97372d52d72" providerId="ADAL" clId="{0871C8F2-467B-4FED-8B43-6A36AEC78174}" dt="2025-07-09T12:47:22.099" v="11" actId="6549"/>
+        <pc:sldMkLst>
+          <pc:docMk/>
+          <pc:sldMk cId="0" sldId="257"/>
+        </pc:sldMkLst>
+        <pc:spChg chg="mod">
+          <ac:chgData name="Nanjundaiah, Deepak" userId="256fc6d3-fdc4-42bc-8b31-c97372d52d72" providerId="ADAL" clId="{0871C8F2-467B-4FED-8B43-6A36AEC78174}" dt="2025-07-09T12:46:35.974" v="2" actId="255"/>
+          <ac:spMkLst>
+            <pc:docMk/>
+            <pc:sldMk cId="0" sldId="257"/>
+            <ac:spMk id="2" creationId="{00000000-0000-0000-0000-000000000000}"/>
+          </ac:spMkLst>
+        </pc:spChg>
+        <pc:spChg chg="mod">
+          <ac:chgData name="Nanjundaiah, Deepak" userId="256fc6d3-fdc4-42bc-8b31-c97372d52d72" providerId="ADAL" clId="{0871C8F2-467B-4FED-8B43-6A36AEC78174}" dt="2025-07-09T12:47:22.099" v="11" actId="6549"/>
+          <ac:spMkLst>
+            <pc:docMk/>
+            <pc:sldMk cId="0" sldId="257"/>
+            <ac:spMk id="3" creationId="{00000000-0000-0000-0000-000000000000}"/>
+          </ac:spMkLst>
+        </pc:spChg>
+      </pc:sldChg>
+      <pc:sldChg chg="modSp add mod">
+        <pc:chgData name="Nanjundaiah, Deepak" userId="256fc6d3-fdc4-42bc-8b31-c97372d52d72" providerId="ADAL" clId="{0871C8F2-467B-4FED-8B43-6A36AEC78174}" dt="2025-07-10T05:52:12.362" v="187" actId="20577"/>
+        <pc:sldMkLst>
+          <pc:docMk/>
+          <pc:sldMk cId="2274050995" sldId="258"/>
+        </pc:sldMkLst>
+        <pc:spChg chg="mod">
+          <ac:chgData name="Nanjundaiah, Deepak" userId="256fc6d3-fdc4-42bc-8b31-c97372d52d72" providerId="ADAL" clId="{0871C8F2-467B-4FED-8B43-6A36AEC78174}" dt="2025-07-10T05:52:12.362" v="187" actId="20577"/>
+          <ac:spMkLst>
+            <pc:docMk/>
+            <pc:sldMk cId="2274050995" sldId="258"/>
+            <ac:spMk id="3" creationId="{A3C6CB84-8272-31C9-E76B-7B56F7678465}"/>
+          </ac:spMkLst>
+        </pc:spChg>
+      </pc:sldChg>
+    </pc:docChg>
+  </pc:docChgLst>
+</pc:chgInfo>
 </file>
 
 <file path=ppt/slideLayouts/slideLayout1.xml><?xml version="1.0" encoding="utf-8"?>
@@ -146,10 +246,9 @@
           <a:lstStyle/>
           <a:p>
             <a:r>
-              <a:rPr lang="en-US" smtClean="0"/>
+              <a:rPr lang="en-US"/>
               <a:t>Click to edit Master title style</a:t>
             </a:r>
-            <a:endParaRPr lang="en-US"/>
           </a:p>
         </p:txBody>
       </p:sp>
@@ -265,10 +364,9 @@
           </a:lstStyle>
           <a:p>
             <a:r>
-              <a:rPr lang="en-US" smtClean="0"/>
+              <a:rPr lang="en-US"/>
               <a:t>Click to edit Master subtitle style</a:t>
             </a:r>
-            <a:endParaRPr lang="en-US"/>
           </a:p>
         </p:txBody>
       </p:sp>
@@ -289,7 +387,7 @@
           <a:p>
             <a:fld id="{5BCAD085-E8A6-8845-BD4E-CB4CCA059FC4}" type="datetimeFigureOut">
               <a:rPr lang="en-US" smtClean="0"/>
-              <a:t>1/27/13</a:t>
+              <a:t>7/10/2025</a:t>
             </a:fld>
             <a:endParaRPr lang="en-US"/>
           </a:p>
@@ -383,10 +481,9 @@
           <a:lstStyle/>
           <a:p>
             <a:r>
-              <a:rPr lang="en-US" smtClean="0"/>
+              <a:rPr lang="en-US"/>
               <a:t>Click to edit Master title style</a:t>
             </a:r>
-            <a:endParaRPr lang="en-US"/>
           </a:p>
         </p:txBody>
       </p:sp>
@@ -407,38 +504,37 @@
           <a:p>
             <a:pPr lvl="0"/>
             <a:r>
-              <a:rPr lang="en-US" smtClean="0"/>
+              <a:rPr lang="en-US"/>
               <a:t>Click to edit Master text styles</a:t>
             </a:r>
           </a:p>
           <a:p>
             <a:pPr lvl="1"/>
             <a:r>
-              <a:rPr lang="en-US" smtClean="0"/>
+              <a:rPr lang="en-US"/>
               <a:t>Second level</a:t>
             </a:r>
           </a:p>
           <a:p>
             <a:pPr lvl="2"/>
             <a:r>
-              <a:rPr lang="en-US" smtClean="0"/>
+              <a:rPr lang="en-US"/>
               <a:t>Third level</a:t>
             </a:r>
           </a:p>
           <a:p>
             <a:pPr lvl="3"/>
             <a:r>
-              <a:rPr lang="en-US" smtClean="0"/>
+              <a:rPr lang="en-US"/>
               <a:t>Fourth level</a:t>
             </a:r>
           </a:p>
           <a:p>
             <a:pPr lvl="4"/>
             <a:r>
-              <a:rPr lang="en-US" smtClean="0"/>
+              <a:rPr lang="en-US"/>
               <a:t>Fifth level</a:t>
             </a:r>
-            <a:endParaRPr lang="en-US"/>
           </a:p>
         </p:txBody>
       </p:sp>
@@ -459,7 +555,7 @@
           <a:p>
             <a:fld id="{5BCAD085-E8A6-8845-BD4E-CB4CCA059FC4}" type="datetimeFigureOut">
               <a:rPr lang="en-US" smtClean="0"/>
-              <a:t>1/27/13</a:t>
+              <a:t>7/10/2025</a:t>
             </a:fld>
             <a:endParaRPr lang="en-US"/>
           </a:p>
@@ -558,10 +654,9 @@
           <a:lstStyle/>
           <a:p>
             <a:r>
-              <a:rPr lang="en-US" smtClean="0"/>
+              <a:rPr lang="en-US"/>
               <a:t>Click to edit Master title style</a:t>
             </a:r>
-            <a:endParaRPr lang="en-US"/>
           </a:p>
         </p:txBody>
       </p:sp>
@@ -587,38 +682,37 @@
           <a:p>
             <a:pPr lvl="0"/>
             <a:r>
-              <a:rPr lang="en-US" smtClean="0"/>
+              <a:rPr lang="en-US"/>
               <a:t>Click to edit Master text styles</a:t>
             </a:r>
           </a:p>
           <a:p>
             <a:pPr lvl="1"/>
             <a:r>
-              <a:rPr lang="en-US" smtClean="0"/>
+              <a:rPr lang="en-US"/>
               <a:t>Second level</a:t>
             </a:r>
           </a:p>
           <a:p>
             <a:pPr lvl="2"/>
             <a:r>
-              <a:rPr lang="en-US" smtClean="0"/>
+              <a:rPr lang="en-US"/>
               <a:t>Third level</a:t>
             </a:r>
           </a:p>
           <a:p>
             <a:pPr lvl="3"/>
             <a:r>
-              <a:rPr lang="en-US" smtClean="0"/>
+              <a:rPr lang="en-US"/>
               <a:t>Fourth level</a:t>
             </a:r>
           </a:p>
           <a:p>
             <a:pPr lvl="4"/>
             <a:r>
-              <a:rPr lang="en-US" smtClean="0"/>
+              <a:rPr lang="en-US"/>
               <a:t>Fifth level</a:t>
             </a:r>
-            <a:endParaRPr lang="en-US"/>
           </a:p>
         </p:txBody>
       </p:sp>
@@ -639,7 +733,7 @@
           <a:p>
             <a:fld id="{5BCAD085-E8A6-8845-BD4E-CB4CCA059FC4}" type="datetimeFigureOut">
               <a:rPr lang="en-US" smtClean="0"/>
-              <a:t>1/27/13</a:t>
+              <a:t>7/10/2025</a:t>
             </a:fld>
             <a:endParaRPr lang="en-US"/>
           </a:p>
@@ -733,10 +827,9 @@
           <a:lstStyle/>
           <a:p>
             <a:r>
-              <a:rPr lang="en-US" smtClean="0"/>
+              <a:rPr lang="en-US"/>
               <a:t>Click to edit Master title style</a:t>
             </a:r>
-            <a:endParaRPr lang="en-US"/>
           </a:p>
         </p:txBody>
       </p:sp>
@@ -757,38 +850,37 @@
           <a:p>
             <a:pPr lvl="0"/>
             <a:r>
-              <a:rPr lang="en-US" smtClean="0"/>
+              <a:rPr lang="en-US"/>
               <a:t>Click to edit Master text styles</a:t>
             </a:r>
           </a:p>
           <a:p>
             <a:pPr lvl="1"/>
             <a:r>
-              <a:rPr lang="en-US" smtClean="0"/>
+              <a:rPr lang="en-US"/>
               <a:t>Second level</a:t>
             </a:r>
           </a:p>
           <a:p>
             <a:pPr lvl="2"/>
             <a:r>
-              <a:rPr lang="en-US" smtClean="0"/>
+              <a:rPr lang="en-US"/>
               <a:t>Third level</a:t>
             </a:r>
           </a:p>
           <a:p>
             <a:pPr lvl="3"/>
             <a:r>
-              <a:rPr lang="en-US" smtClean="0"/>
+              <a:rPr lang="en-US"/>
               <a:t>Fourth level</a:t>
             </a:r>
           </a:p>
           <a:p>
             <a:pPr lvl="4"/>
             <a:r>
-              <a:rPr lang="en-US" smtClean="0"/>
+              <a:rPr lang="en-US"/>
               <a:t>Fifth level</a:t>
             </a:r>
-            <a:endParaRPr lang="en-US"/>
           </a:p>
         </p:txBody>
       </p:sp>
@@ -809,7 +901,7 @@
           <a:p>
             <a:fld id="{5BCAD085-E8A6-8845-BD4E-CB4CCA059FC4}" type="datetimeFigureOut">
               <a:rPr lang="en-US" smtClean="0"/>
-              <a:t>1/27/13</a:t>
+              <a:t>7/10/2025</a:t>
             </a:fld>
             <a:endParaRPr lang="en-US"/>
           </a:p>
@@ -912,10 +1004,9 @@
           </a:lstStyle>
           <a:p>
             <a:r>
-              <a:rPr lang="en-US" smtClean="0"/>
+              <a:rPr lang="en-US"/>
               <a:t>Click to edit Master title style</a:t>
             </a:r>
-            <a:endParaRPr lang="en-US"/>
           </a:p>
         </p:txBody>
       </p:sp>
@@ -1032,7 +1123,7 @@
           <a:p>
             <a:pPr lvl="0"/>
             <a:r>
-              <a:rPr lang="en-US" smtClean="0"/>
+              <a:rPr lang="en-US"/>
               <a:t>Click to edit Master text styles</a:t>
             </a:r>
           </a:p>
@@ -1055,7 +1146,7 @@
           <a:p>
             <a:fld id="{5BCAD085-E8A6-8845-BD4E-CB4CCA059FC4}" type="datetimeFigureOut">
               <a:rPr lang="en-US" smtClean="0"/>
-              <a:t>1/27/13</a:t>
+              <a:t>7/10/2025</a:t>
             </a:fld>
             <a:endParaRPr lang="en-US"/>
           </a:p>
@@ -1149,10 +1240,9 @@
           <a:lstStyle/>
           <a:p>
             <a:r>
-              <a:rPr lang="en-US" smtClean="0"/>
+              <a:rPr lang="en-US"/>
               <a:t>Click to edit Master title style</a:t>
             </a:r>
-            <a:endParaRPr lang="en-US"/>
           </a:p>
         </p:txBody>
       </p:sp>
@@ -1206,38 +1296,37 @@
           <a:p>
             <a:pPr lvl="0"/>
             <a:r>
-              <a:rPr lang="en-US" smtClean="0"/>
+              <a:rPr lang="en-US"/>
               <a:t>Click to edit Master text styles</a:t>
             </a:r>
           </a:p>
           <a:p>
             <a:pPr lvl="1"/>
             <a:r>
-              <a:rPr lang="en-US" smtClean="0"/>
+              <a:rPr lang="en-US"/>
               <a:t>Second level</a:t>
             </a:r>
           </a:p>
           <a:p>
             <a:pPr lvl="2"/>
             <a:r>
-              <a:rPr lang="en-US" smtClean="0"/>
+              <a:rPr lang="en-US"/>
               <a:t>Third level</a:t>
             </a:r>
           </a:p>
           <a:p>
             <a:pPr lvl="3"/>
             <a:r>
-              <a:rPr lang="en-US" smtClean="0"/>
+              <a:rPr lang="en-US"/>
               <a:t>Fourth level</a:t>
             </a:r>
           </a:p>
           <a:p>
             <a:pPr lvl="4"/>
             <a:r>
-              <a:rPr lang="en-US" smtClean="0"/>
+              <a:rPr lang="en-US"/>
               <a:t>Fifth level</a:t>
             </a:r>
-            <a:endParaRPr lang="en-US"/>
           </a:p>
         </p:txBody>
       </p:sp>
@@ -1291,38 +1380,37 @@
           <a:p>
             <a:pPr lvl="0"/>
             <a:r>
-              <a:rPr lang="en-US" smtClean="0"/>
+              <a:rPr lang="en-US"/>
               <a:t>Click to edit Master text styles</a:t>
             </a:r>
           </a:p>
           <a:p>
             <a:pPr lvl="1"/>
             <a:r>
-              <a:rPr lang="en-US" smtClean="0"/>
+              <a:rPr lang="en-US"/>
               <a:t>Second level</a:t>
             </a:r>
           </a:p>
           <a:p>
             <a:pPr lvl="2"/>
             <a:r>
-              <a:rPr lang="en-US" smtClean="0"/>
+              <a:rPr lang="en-US"/>
               <a:t>Third level</a:t>
             </a:r>
           </a:p>
           <a:p>
             <a:pPr lvl="3"/>
             <a:r>
-              <a:rPr lang="en-US" smtClean="0"/>
+              <a:rPr lang="en-US"/>
               <a:t>Fourth level</a:t>
             </a:r>
           </a:p>
           <a:p>
             <a:pPr lvl="4"/>
             <a:r>
-              <a:rPr lang="en-US" smtClean="0"/>
+              <a:rPr lang="en-US"/>
               <a:t>Fifth level</a:t>
             </a:r>
-            <a:endParaRPr lang="en-US"/>
           </a:p>
         </p:txBody>
       </p:sp>
@@ -1343,7 +1431,7 @@
           <a:p>
             <a:fld id="{5BCAD085-E8A6-8845-BD4E-CB4CCA059FC4}" type="datetimeFigureOut">
               <a:rPr lang="en-US" smtClean="0"/>
-              <a:t>1/27/13</a:t>
+              <a:t>7/10/2025</a:t>
             </a:fld>
             <a:endParaRPr lang="en-US"/>
           </a:p>
@@ -1441,10 +1529,9 @@
           </a:lstStyle>
           <a:p>
             <a:r>
-              <a:rPr lang="en-US" smtClean="0"/>
+              <a:rPr lang="en-US"/>
               <a:t>Click to edit Master title style</a:t>
             </a:r>
-            <a:endParaRPr lang="en-US"/>
           </a:p>
         </p:txBody>
       </p:sp>
@@ -1507,7 +1594,7 @@
           <a:p>
             <a:pPr lvl="0"/>
             <a:r>
-              <a:rPr lang="en-US" smtClean="0"/>
+              <a:rPr lang="en-US"/>
               <a:t>Click to edit Master text styles</a:t>
             </a:r>
           </a:p>
@@ -1563,38 +1650,37 @@
           <a:p>
             <a:pPr lvl="0"/>
             <a:r>
-              <a:rPr lang="en-US" smtClean="0"/>
+              <a:rPr lang="en-US"/>
               <a:t>Click to edit Master text styles</a:t>
             </a:r>
           </a:p>
           <a:p>
             <a:pPr lvl="1"/>
             <a:r>
-              <a:rPr lang="en-US" smtClean="0"/>
+              <a:rPr lang="en-US"/>
               <a:t>Second level</a:t>
             </a:r>
           </a:p>
           <a:p>
             <a:pPr lvl="2"/>
             <a:r>
-              <a:rPr lang="en-US" smtClean="0"/>
+              <a:rPr lang="en-US"/>
               <a:t>Third level</a:t>
             </a:r>
           </a:p>
           <a:p>
             <a:pPr lvl="3"/>
             <a:r>
-              <a:rPr lang="en-US" smtClean="0"/>
+              <a:rPr lang="en-US"/>
               <a:t>Fourth level</a:t>
             </a:r>
           </a:p>
           <a:p>
             <a:pPr lvl="4"/>
             <a:r>
-              <a:rPr lang="en-US" smtClean="0"/>
+              <a:rPr lang="en-US"/>
               <a:t>Fifth level</a:t>
             </a:r>
-            <a:endParaRPr lang="en-US"/>
           </a:p>
         </p:txBody>
       </p:sp>
@@ -1657,7 +1743,7 @@
           <a:p>
             <a:pPr lvl="0"/>
             <a:r>
-              <a:rPr lang="en-US" smtClean="0"/>
+              <a:rPr lang="en-US"/>
               <a:t>Click to edit Master text styles</a:t>
             </a:r>
           </a:p>
@@ -1713,38 +1799,37 @@
           <a:p>
             <a:pPr lvl="0"/>
             <a:r>
-              <a:rPr lang="en-US" smtClean="0"/>
+              <a:rPr lang="en-US"/>
               <a:t>Click to edit Master text styles</a:t>
             </a:r>
           </a:p>
           <a:p>
             <a:pPr lvl="1"/>
             <a:r>
-              <a:rPr lang="en-US" smtClean="0"/>
+              <a:rPr lang="en-US"/>
               <a:t>Second level</a:t>
             </a:r>
           </a:p>
           <a:p>
             <a:pPr lvl="2"/>
             <a:r>
-              <a:rPr lang="en-US" smtClean="0"/>
+              <a:rPr lang="en-US"/>
               <a:t>Third level</a:t>
             </a:r>
           </a:p>
           <a:p>
             <a:pPr lvl="3"/>
             <a:r>
-              <a:rPr lang="en-US" smtClean="0"/>
+              <a:rPr lang="en-US"/>
               <a:t>Fourth level</a:t>
             </a:r>
           </a:p>
           <a:p>
             <a:pPr lvl="4"/>
             <a:r>
-              <a:rPr lang="en-US" smtClean="0"/>
+              <a:rPr lang="en-US"/>
               <a:t>Fifth level</a:t>
             </a:r>
-            <a:endParaRPr lang="en-US"/>
           </a:p>
         </p:txBody>
       </p:sp>
@@ -1765,7 +1850,7 @@
           <a:p>
             <a:fld id="{5BCAD085-E8A6-8845-BD4E-CB4CCA059FC4}" type="datetimeFigureOut">
               <a:rPr lang="en-US" smtClean="0"/>
-              <a:t>1/27/13</a:t>
+              <a:t>7/10/2025</a:t>
             </a:fld>
             <a:endParaRPr lang="en-US"/>
           </a:p>
@@ -1859,10 +1944,9 @@
           <a:lstStyle/>
           <a:p>
             <a:r>
-              <a:rPr lang="en-US" smtClean="0"/>
+              <a:rPr lang="en-US"/>
               <a:t>Click to edit Master title style</a:t>
             </a:r>
-            <a:endParaRPr lang="en-US"/>
           </a:p>
         </p:txBody>
       </p:sp>
@@ -1883,7 +1967,7 @@
           <a:p>
             <a:fld id="{5BCAD085-E8A6-8845-BD4E-CB4CCA059FC4}" type="datetimeFigureOut">
               <a:rPr lang="en-US" smtClean="0"/>
-              <a:t>1/27/13</a:t>
+              <a:t>7/10/2025</a:t>
             </a:fld>
             <a:endParaRPr lang="en-US"/>
           </a:p>
@@ -1978,7 +2062,7 @@
           <a:p>
             <a:fld id="{5BCAD085-E8A6-8845-BD4E-CB4CCA059FC4}" type="datetimeFigureOut">
               <a:rPr lang="en-US" smtClean="0"/>
-              <a:t>1/27/13</a:t>
+              <a:t>7/10/2025</a:t>
             </a:fld>
             <a:endParaRPr lang="en-US"/>
           </a:p>
@@ -2081,10 +2165,9 @@
           </a:lstStyle>
           <a:p>
             <a:r>
-              <a:rPr lang="en-US" smtClean="0"/>
+              <a:rPr lang="en-US"/>
               <a:t>Click to edit Master title style</a:t>
             </a:r>
-            <a:endParaRPr lang="en-US"/>
           </a:p>
         </p:txBody>
       </p:sp>
@@ -2138,38 +2221,37 @@
           <a:p>
             <a:pPr lvl="0"/>
             <a:r>
-              <a:rPr lang="en-US" smtClean="0"/>
+              <a:rPr lang="en-US"/>
               <a:t>Click to edit Master text styles</a:t>
             </a:r>
           </a:p>
           <a:p>
             <a:pPr lvl="1"/>
             <a:r>
-              <a:rPr lang="en-US" smtClean="0"/>
+              <a:rPr lang="en-US"/>
               <a:t>Second level</a:t>
             </a:r>
           </a:p>
           <a:p>
             <a:pPr lvl="2"/>
             <a:r>
-              <a:rPr lang="en-US" smtClean="0"/>
+              <a:rPr lang="en-US"/>
               <a:t>Third level</a:t>
             </a:r>
           </a:p>
           <a:p>
             <a:pPr lvl="3"/>
             <a:r>
-              <a:rPr lang="en-US" smtClean="0"/>
+              <a:rPr lang="en-US"/>
               <a:t>Fourth level</a:t>
             </a:r>
           </a:p>
           <a:p>
             <a:pPr lvl="4"/>
             <a:r>
-              <a:rPr lang="en-US" smtClean="0"/>
+              <a:rPr lang="en-US"/>
               <a:t>Fifth level</a:t>
             </a:r>
-            <a:endParaRPr lang="en-US"/>
           </a:p>
         </p:txBody>
       </p:sp>
@@ -2232,7 +2314,7 @@
           <a:p>
             <a:pPr lvl="0"/>
             <a:r>
-              <a:rPr lang="en-US" smtClean="0"/>
+              <a:rPr lang="en-US"/>
               <a:t>Click to edit Master text styles</a:t>
             </a:r>
           </a:p>
@@ -2255,7 +2337,7 @@
           <a:p>
             <a:fld id="{5BCAD085-E8A6-8845-BD4E-CB4CCA059FC4}" type="datetimeFigureOut">
               <a:rPr lang="en-US" smtClean="0"/>
-              <a:t>1/27/13</a:t>
+              <a:t>7/10/2025</a:t>
             </a:fld>
             <a:endParaRPr lang="en-US"/>
           </a:p>
@@ -2358,10 +2440,9 @@
           </a:lstStyle>
           <a:p>
             <a:r>
-              <a:rPr lang="en-US" smtClean="0"/>
+              <a:rPr lang="en-US"/>
               <a:t>Click to edit Master title style</a:t>
             </a:r>
-            <a:endParaRPr lang="en-US"/>
           </a:p>
         </p:txBody>
       </p:sp>
@@ -2485,7 +2566,7 @@
           <a:p>
             <a:pPr lvl="0"/>
             <a:r>
-              <a:rPr lang="en-US" smtClean="0"/>
+              <a:rPr lang="en-US"/>
               <a:t>Click to edit Master text styles</a:t>
             </a:r>
           </a:p>
@@ -2508,7 +2589,7 @@
           <a:p>
             <a:fld id="{5BCAD085-E8A6-8845-BD4E-CB4CCA059FC4}" type="datetimeFigureOut">
               <a:rPr lang="en-US" smtClean="0"/>
-              <a:t>1/27/13</a:t>
+              <a:t>7/10/2025</a:t>
             </a:fld>
             <a:endParaRPr lang="en-US"/>
           </a:p>
@@ -2617,10 +2698,9 @@
           <a:lstStyle/>
           <a:p>
             <a:r>
-              <a:rPr lang="en-US" smtClean="0"/>
+              <a:rPr lang="en-US"/>
               <a:t>Click to edit Master title style</a:t>
             </a:r>
-            <a:endParaRPr lang="en-US"/>
           </a:p>
         </p:txBody>
       </p:sp>
@@ -2651,38 +2731,37 @@
           <a:p>
             <a:pPr lvl="0"/>
             <a:r>
-              <a:rPr lang="en-US" smtClean="0"/>
+              <a:rPr lang="en-US"/>
               <a:t>Click to edit Master text styles</a:t>
             </a:r>
           </a:p>
           <a:p>
             <a:pPr lvl="1"/>
             <a:r>
-              <a:rPr lang="en-US" smtClean="0"/>
+              <a:rPr lang="en-US"/>
               <a:t>Second level</a:t>
             </a:r>
           </a:p>
           <a:p>
             <a:pPr lvl="2"/>
             <a:r>
-              <a:rPr lang="en-US" smtClean="0"/>
+              <a:rPr lang="en-US"/>
               <a:t>Third level</a:t>
             </a:r>
           </a:p>
           <a:p>
             <a:pPr lvl="3"/>
             <a:r>
-              <a:rPr lang="en-US" smtClean="0"/>
+              <a:rPr lang="en-US"/>
               <a:t>Fourth level</a:t>
             </a:r>
           </a:p>
           <a:p>
             <a:pPr lvl="4"/>
             <a:r>
-              <a:rPr lang="en-US" smtClean="0"/>
+              <a:rPr lang="en-US"/>
               <a:t>Fifth level</a:t>
             </a:r>
-            <a:endParaRPr lang="en-US"/>
           </a:p>
         </p:txBody>
       </p:sp>
@@ -2721,7 +2800,7 @@
           <a:p>
             <a:fld id="{5BCAD085-E8A6-8845-BD4E-CB4CCA059FC4}" type="datetimeFigureOut">
               <a:rPr lang="en-US" smtClean="0"/>
-              <a:t>1/27/13</a:t>
+              <a:t>7/10/2025</a:t>
             </a:fld>
             <a:endParaRPr lang="en-US"/>
           </a:p>
@@ -3080,7 +3159,7 @@
 </file>
 
 <file path=ppt/slides/slide1.xml><?xml version="1.0" encoding="utf-8"?>
-<p:sld xmlns:a="http://schemas.openxmlformats.org/drawingml/2006/main" xmlns:p="http://schemas.openxmlformats.org/presentationml/2006/main" xmlns:r="http://schemas.openxmlformats.org/officeDocument/2006/relationships">
+<p:sld xmlns:a="http://schemas.openxmlformats.org/drawingml/2006/main" xmlns:r="http://schemas.openxmlformats.org/officeDocument/2006/relationships" xmlns:p="http://schemas.openxmlformats.org/presentationml/2006/main">
   <p:cSld>
     <p:spTree>
       <p:nvGrpSpPr>
@@ -3088,7 +3167,14 @@
         <p:cNvGrpSpPr/>
         <p:nvPr/>
       </p:nvGrpSpPr>
-      <p:grpSpPr/>
+      <p:grpSpPr>
+        <a:xfrm>
+          <a:off x="0" y="0"/>
+          <a:ext cx="0" cy="0"/>
+          <a:chOff x="0" y="0"/>
+          <a:chExt cx="0" cy="0"/>
+        </a:xfrm>
+      </p:grpSpPr>
       <p:sp>
         <p:nvSpPr>
           <p:cNvPr id="2" name="Title 1"/>
@@ -3101,10 +3187,13 @@
         </p:nvSpPr>
         <p:spPr/>
         <p:txBody>
-          <a:bodyPr/>
-          <a:lstStyle/>
-          <a:p>
-            <a:r>
+          <a:bodyPr>
+            <a:normAutofit/>
+          </a:bodyPr>
+          <a:lstStyle/>
+          <a:p>
+            <a:r>
+              <a:rPr sz="3200" dirty="0"/>
               <a:t>Intro: Kafka Message Rate Monitoring</a:t>
             </a:r>
           </a:p>
@@ -3120,40 +3209,63 @@
             <p:ph idx="1"/>
           </p:nvPr>
         </p:nvSpPr>
-        <p:spPr/>
-        <p:txBody>
-          <a:bodyPr/>
-          <a:lstStyle/>
-          <a:p/>
-          <a:p>
-            <a:pPr>
+        <p:spPr>
+          <a:xfrm>
+            <a:off x="520574" y="1600200"/>
+            <a:ext cx="8229600" cy="4525963"/>
+          </a:xfrm>
+        </p:spPr>
+        <p:txBody>
+          <a:bodyPr/>
+          <a:lstStyle/>
+          <a:p>
+            <a:endParaRPr dirty="0"/>
+          </a:p>
+          <a:p>
+            <a:pPr marL="0" indent="0">
+              <a:buNone/>
               <a:defRPr sz="1800"/>
             </a:pPr>
             <a:r>
+              <a:rPr dirty="0"/>
               <a:t>• Objective: Detect sudden drops or spikes in message flow per Kafka topic</a:t>
             </a:r>
           </a:p>
           <a:p>
-            <a:pPr>
+            <a:pPr marL="0" indent="0">
+              <a:buNone/>
               <a:defRPr sz="1800"/>
             </a:pPr>
             <a:r>
-              <a:t>• Helps identify failures in upstream agents or pipelines early</a:t>
-            </a:r>
-          </a:p>
-          <a:p>
-            <a:pPr>
+              <a:rPr dirty="0"/>
+              <a:t> </a:t>
+            </a:r>
+            <a:r>
+              <a:rPr lang="en-US" dirty="0"/>
+              <a:t>	</a:t>
+            </a:r>
+            <a:r>
+              <a:rPr dirty="0"/>
+              <a:t>Helps identify failures in upstream agents or pipelines early</a:t>
+            </a:r>
+          </a:p>
+          <a:p>
+            <a:pPr marL="0" indent="0">
+              <a:buNone/>
               <a:defRPr sz="1800"/>
             </a:pPr>
             <a:r>
+              <a:rPr dirty="0"/>
               <a:t>• Uses Z-score anomaly detection on message rates (e.g., every 60 seconds)</a:t>
             </a:r>
           </a:p>
           <a:p>
-            <a:pPr>
+            <a:pPr marL="0" indent="0">
+              <a:buNone/>
               <a:defRPr sz="1800"/>
             </a:pPr>
             <a:r>
+              <a:rPr dirty="0"/>
               <a:t>• Lightweight, fast, and works per topic with minimal config</a:t>
             </a:r>
           </a:p>
@@ -3168,7 +3280,315 @@
 </file>
 
 <file path=ppt/slides/slide2.xml><?xml version="1.0" encoding="utf-8"?>
-<p:sld xmlns:a="http://schemas.openxmlformats.org/drawingml/2006/main" xmlns:p="http://schemas.openxmlformats.org/presentationml/2006/main" xmlns:r="http://schemas.openxmlformats.org/officeDocument/2006/relationships">
+<p:sld xmlns:a="http://schemas.openxmlformats.org/drawingml/2006/main" xmlns:r="http://schemas.openxmlformats.org/officeDocument/2006/relationships" xmlns:p="http://schemas.openxmlformats.org/presentationml/2006/main">
+  <p:cSld>
+    <p:spTree>
+      <p:nvGrpSpPr>
+        <p:cNvPr id="1" name="">
+          <a:extLst>
+            <a:ext uri="{FF2B5EF4-FFF2-40B4-BE49-F238E27FC236}">
+              <a16:creationId xmlns:a16="http://schemas.microsoft.com/office/drawing/2014/main" id="{7A0F0828-0254-0FD1-1389-CFE44607D241}"/>
+            </a:ext>
+          </a:extLst>
+        </p:cNvPr>
+        <p:cNvGrpSpPr/>
+        <p:nvPr/>
+      </p:nvGrpSpPr>
+      <p:grpSpPr>
+        <a:xfrm>
+          <a:off x="0" y="0"/>
+          <a:ext cx="0" cy="0"/>
+          <a:chOff x="0" y="0"/>
+          <a:chExt cx="0" cy="0"/>
+        </a:xfrm>
+      </p:grpSpPr>
+      <p:sp>
+        <p:nvSpPr>
+          <p:cNvPr id="2" name="Title 1">
+            <a:extLst>
+              <a:ext uri="{FF2B5EF4-FFF2-40B4-BE49-F238E27FC236}">
+                <a16:creationId xmlns:a16="http://schemas.microsoft.com/office/drawing/2014/main" id="{2B50CC26-AA2F-4A9E-58A7-6DA2F11EFC48}"/>
+              </a:ext>
+            </a:extLst>
+          </p:cNvPr>
+          <p:cNvSpPr>
+            <a:spLocks noGrp="1"/>
+          </p:cNvSpPr>
+          <p:nvPr>
+            <p:ph type="title"/>
+          </p:nvPr>
+        </p:nvSpPr>
+        <p:spPr/>
+        <p:txBody>
+          <a:bodyPr>
+            <a:normAutofit/>
+          </a:bodyPr>
+          <a:lstStyle/>
+          <a:p>
+            <a:r>
+              <a:rPr sz="3200" dirty="0"/>
+              <a:t>Intro: Kafka Message Rate Monitoring</a:t>
+            </a:r>
+          </a:p>
+        </p:txBody>
+      </p:sp>
+      <p:sp>
+        <p:nvSpPr>
+          <p:cNvPr id="3" name="Content Placeholder 2">
+            <a:extLst>
+              <a:ext uri="{FF2B5EF4-FFF2-40B4-BE49-F238E27FC236}">
+                <a16:creationId xmlns:a16="http://schemas.microsoft.com/office/drawing/2014/main" id="{A3C6CB84-8272-31C9-E76B-7B56F7678465}"/>
+              </a:ext>
+            </a:extLst>
+          </p:cNvPr>
+          <p:cNvSpPr>
+            <a:spLocks noGrp="1"/>
+          </p:cNvSpPr>
+          <p:nvPr>
+            <p:ph idx="1"/>
+          </p:nvPr>
+        </p:nvSpPr>
+        <p:spPr>
+          <a:xfrm>
+            <a:off x="520574" y="1600200"/>
+            <a:ext cx="8229600" cy="4525963"/>
+          </a:xfrm>
+        </p:spPr>
+        <p:txBody>
+          <a:bodyPr>
+            <a:normAutofit fontScale="25000" lnSpcReduction="20000"/>
+          </a:bodyPr>
+          <a:lstStyle/>
+          <a:p>
+            <a:pPr marL="0" indent="0">
+              <a:buNone/>
+            </a:pPr>
+            <a:r>
+              <a:rPr lang="en-US" sz="5600" dirty="0"/>
+              <a:t>Other Options -:</a:t>
+            </a:r>
+          </a:p>
+          <a:p>
+            <a:pPr marL="0" indent="0">
+              <a:buNone/>
+            </a:pPr>
+            <a:r>
+              <a:rPr lang="en-US" sz="5600" dirty="0"/>
+              <a:t>1) </a:t>
+            </a:r>
+          </a:p>
+          <a:p>
+            <a:pPr marL="0" indent="0">
+              <a:buNone/>
+            </a:pPr>
+            <a:r>
+              <a:rPr lang="en-US" sz="5600" dirty="0"/>
+              <a:t>Kafka → Kafka Exporter → Prometheus → Grafana Dashboard</a:t>
+            </a:r>
+          </a:p>
+          <a:p>
+            <a:pPr marL="0" indent="0">
+              <a:buNone/>
+            </a:pPr>
+            <a:endParaRPr lang="en-US" sz="5600" dirty="0"/>
+          </a:p>
+          <a:p>
+            <a:pPr marL="0" indent="0">
+              <a:buNone/>
+            </a:pPr>
+            <a:r>
+              <a:rPr lang="en-US" sz="5600"/>
+              <a:t>	 </a:t>
+            </a:r>
+            <a:r>
+              <a:rPr lang="en-US" sz="5600" dirty="0">
+                <a:hlinkClick r:id="rId2"/>
+              </a:rPr>
+              <a:t>https://github.com/danielqsj/kafka_exporter</a:t>
+            </a:r>
+            <a:endParaRPr lang="en-US" sz="5600" dirty="0"/>
+          </a:p>
+          <a:p>
+            <a:pPr marL="0" indent="0">
+              <a:buNone/>
+            </a:pPr>
+            <a:r>
+              <a:rPr lang="en-US" sz="5600" dirty="0"/>
+              <a:t> </a:t>
+            </a:r>
+          </a:p>
+          <a:p>
+            <a:pPr marL="457200" lvl="1" indent="0">
+              <a:buNone/>
+            </a:pPr>
+            <a:r>
+              <a:rPr lang="en-US" sz="5600" dirty="0"/>
+              <a:t> </a:t>
+            </a:r>
+            <a:r>
+              <a:rPr lang="en-US" sz="5600" dirty="0" err="1"/>
+              <a:t>kafka_server_BrokerTopicMetrics_MessagesInPerSec</a:t>
+            </a:r>
+            <a:endParaRPr lang="en-US" sz="5600" dirty="0"/>
+          </a:p>
+          <a:p>
+            <a:pPr marL="0" indent="0">
+              <a:buNone/>
+            </a:pPr>
+            <a:r>
+              <a:rPr lang="en-US" sz="5600" dirty="0"/>
+              <a:t> </a:t>
+            </a:r>
+          </a:p>
+          <a:p>
+            <a:pPr marL="0" indent="0">
+              <a:buNone/>
+            </a:pPr>
+            <a:r>
+              <a:rPr lang="en-US" sz="5600" dirty="0"/>
+              <a:t> A </a:t>
+            </a:r>
+            <a:r>
+              <a:rPr lang="en-US" sz="5600" b="1" dirty="0"/>
+              <a:t>Prometheus-compatible exporter</a:t>
+            </a:r>
+            <a:r>
+              <a:rPr lang="en-US" sz="5600" dirty="0"/>
+              <a:t> built by the community (by </a:t>
+            </a:r>
+            <a:r>
+              <a:rPr lang="en-US" sz="5600" dirty="0" err="1"/>
+              <a:t>DanielQZ</a:t>
+            </a:r>
+            <a:r>
+              <a:rPr lang="en-US" sz="5600" dirty="0"/>
+              <a:t>) that:</a:t>
+            </a:r>
+          </a:p>
+          <a:p>
+            <a:pPr marL="400050" lvl="1" indent="0">
+              <a:buNone/>
+            </a:pPr>
+            <a:br>
+              <a:rPr lang="en-US" sz="5600" dirty="0"/>
+            </a:br>
+            <a:r>
+              <a:rPr lang="en-US" sz="5600" dirty="0"/>
+              <a:t>Scrapes JMX stats from Kafka brokers</a:t>
+            </a:r>
+          </a:p>
+          <a:p>
+            <a:pPr marL="400050" lvl="1" indent="0">
+              <a:buNone/>
+            </a:pPr>
+            <a:r>
+              <a:rPr lang="en-US" sz="5600" dirty="0"/>
+              <a:t>Exposes them over HTTP (default port: 9308)</a:t>
+            </a:r>
+            <a:br>
+              <a:rPr lang="en-US" sz="5600" dirty="0"/>
+            </a:br>
+            <a:r>
+              <a:rPr lang="en-US" sz="5600" dirty="0"/>
+              <a:t>Prometheus scrapes it every few seconds</a:t>
+            </a:r>
+          </a:p>
+          <a:p>
+            <a:pPr marL="400050" lvl="1" indent="0">
+              <a:buNone/>
+            </a:pPr>
+            <a:r>
+              <a:rPr lang="en-US" sz="5600" dirty="0"/>
+              <a:t>easily run it </a:t>
+            </a:r>
+            <a:r>
+              <a:rPr lang="en-US" sz="5600" b="1" dirty="0"/>
+              <a:t>without changing Kafka configs</a:t>
+            </a:r>
+            <a:r>
+              <a:rPr lang="en-US" sz="5600" dirty="0"/>
+              <a:t>,</a:t>
+            </a:r>
+          </a:p>
+          <a:p>
+            <a:endParaRPr lang="en-US" sz="5600" dirty="0"/>
+          </a:p>
+          <a:p>
+            <a:pPr marL="0" indent="0">
+              <a:buNone/>
+            </a:pPr>
+            <a:r>
+              <a:rPr lang="en-US" sz="5600" dirty="0"/>
+              <a:t>2) Use Prometheus JMX Exporter (Needs Kafka Config Change)</a:t>
+            </a:r>
+          </a:p>
+          <a:p>
+            <a:pPr marL="0" indent="0">
+              <a:buNone/>
+            </a:pPr>
+            <a:endParaRPr lang="en-US" sz="5600" dirty="0"/>
+          </a:p>
+          <a:p>
+            <a:pPr marL="400050" lvl="1" indent="0">
+              <a:buNone/>
+            </a:pPr>
+            <a:r>
+              <a:rPr lang="en-US" sz="5600" dirty="0"/>
+              <a:t>Download the Java Agent jar:</a:t>
+            </a:r>
+          </a:p>
+          <a:p>
+            <a:pPr marL="400050" lvl="1" indent="0">
+              <a:buNone/>
+            </a:pPr>
+            <a:r>
+              <a:rPr lang="en-US" sz="5600" dirty="0">
+                <a:hlinkClick r:id="rId3"/>
+              </a:rPr>
+              <a:t>https://repo1.maven.org/maven2/io/prometheus/jmx/jmx_prometheus_javaagent/0.20.0/jmx_prometheus_java</a:t>
+            </a:r>
+            <a:endParaRPr lang="en-US" sz="5600" dirty="0"/>
+          </a:p>
+          <a:p>
+            <a:pPr marL="400050" lvl="1" indent="0">
+              <a:buNone/>
+            </a:pPr>
+            <a:r>
+              <a:rPr lang="en-US" sz="5600" dirty="0"/>
+              <a:t>Modify  the Kafka Broker start script and </a:t>
+            </a:r>
+            <a:r>
+              <a:rPr lang="en-US" sz="5600" dirty="0" err="1"/>
+              <a:t>Kafka.yaml</a:t>
+            </a:r>
+            <a:r>
+              <a:rPr lang="en-US" sz="5600" dirty="0"/>
+              <a:t> </a:t>
+            </a:r>
+          </a:p>
+          <a:p>
+            <a:pPr marL="400050" lvl="1" indent="0">
+              <a:buNone/>
+            </a:pPr>
+            <a:endParaRPr sz="6000" dirty="0"/>
+          </a:p>
+        </p:txBody>
+      </p:sp>
+    </p:spTree>
+    <p:extLst>
+      <p:ext uri="{BB962C8B-B14F-4D97-AF65-F5344CB8AC3E}">
+        <p14:creationId xmlns:p14="http://schemas.microsoft.com/office/powerpoint/2010/main" val="2274050995"/>
+      </p:ext>
+    </p:extLst>
+  </p:cSld>
+  <p:clrMapOvr>
+    <a:masterClrMapping/>
+  </p:clrMapOvr>
+</p:sld>
+</file>
+
+<file path=ppt/slides/slide3.xml><?xml version="1.0" encoding="utf-8"?>
+<p:sld xmlns:a="http://schemas.openxmlformats.org/drawingml/2006/main" xmlns:r="http://schemas.openxmlformats.org/officeDocument/2006/relationships" xmlns:p="http://schemas.openxmlformats.org/presentationml/2006/main">
   <p:cSld>
     <p:spTree>
       <p:nvGrpSpPr>
@@ -3176,7 +3596,14 @@
         <p:cNvGrpSpPr/>
         <p:nvPr/>
       </p:nvGrpSpPr>
-      <p:grpSpPr/>
+      <p:grpSpPr>
+        <a:xfrm>
+          <a:off x="0" y="0"/>
+          <a:ext cx="0" cy="0"/>
+          <a:chOff x="0" y="0"/>
+          <a:chExt cx="0" cy="0"/>
+        </a:xfrm>
+      </p:grpSpPr>
       <p:sp>
         <p:nvSpPr>
           <p:cNvPr id="2" name="Title 1"/>
@@ -3189,10 +3616,13 @@
         </p:nvSpPr>
         <p:spPr/>
         <p:txBody>
-          <a:bodyPr/>
-          <a:lstStyle/>
-          <a:p>
-            <a:r>
+          <a:bodyPr>
+            <a:normAutofit/>
+          </a:bodyPr>
+          <a:lstStyle/>
+          <a:p>
+            <a:r>
+              <a:rPr sz="3200" dirty="0"/>
               <a:t>Intro: ML-Based Data Quality Scoring</a:t>
             </a:r>
           </a:p>
@@ -3212,36 +3642,62 @@
         <p:txBody>
           <a:bodyPr/>
           <a:lstStyle/>
-          <a:p/>
-          <a:p>
-            <a:pPr>
+          <a:p>
+            <a:pPr marL="0" indent="0">
+              <a:buNone/>
               <a:defRPr sz="1800"/>
             </a:pPr>
             <a:r>
-              <a:t>• Objective: Score each record's quality (clean vs. bad) using a trained ML model</a:t>
-            </a:r>
-          </a:p>
-          <a:p>
-            <a:pPr>
+              <a:t>• </a:t>
+            </a:r>
+            <a:r>
+              <a:rPr dirty="0"/>
+              <a:t>Objective: Score each record's quality (clean vs. bad) using a trained ML model</a:t>
+            </a:r>
+          </a:p>
+          <a:p>
+            <a:pPr marL="0" indent="0">
+              <a:buNone/>
               <a:defRPr sz="1800"/>
             </a:pPr>
             <a:r>
-              <a:t>• Prevents malformed/missing/anomalous data from reaching critical systems</a:t>
-            </a:r>
-          </a:p>
-          <a:p>
-            <a:pPr>
+              <a:rPr dirty="0"/>
+              <a:t> </a:t>
+            </a:r>
+            <a:r>
+              <a:rPr lang="en-US" dirty="0"/>
+              <a:t>	</a:t>
+            </a:r>
+            <a:r>
+              <a:rPr dirty="0"/>
+              <a:t>Prevents malformed/missing/anomalous data from reaching critical systems</a:t>
+            </a:r>
+          </a:p>
+          <a:p>
+            <a:pPr marL="0" indent="0">
+              <a:buNone/>
               <a:defRPr sz="1800"/>
             </a:pPr>
             <a:r>
-              <a:t>• Extract features, apply XGBoost model, use rules from config</a:t>
-            </a:r>
-          </a:p>
-          <a:p>
-            <a:pPr>
+              <a:rPr dirty="0"/>
+              <a:t>• Extract features, apply </a:t>
+            </a:r>
+            <a:r>
+              <a:rPr dirty="0" err="1"/>
+              <a:t>XGBoost</a:t>
+            </a:r>
+            <a:r>
+              <a:rPr dirty="0"/>
+              <a:t> model, use rules from config</a:t>
+            </a:r>
+          </a:p>
+          <a:p>
+            <a:pPr marL="0" indent="0">
+              <a:buNone/>
               <a:defRPr sz="1800"/>
             </a:pPr>
             <a:r>
+              <a:rPr dirty="0"/>
               <a:t>• Unified, extensible, real-time scoring across multiple data streams</a:t>
             </a:r>
           </a:p>
